--- a/CaseStudy1_DDS-6306.pptx
+++ b/CaseStudy1_DDS-6306.pptx
@@ -8,16 +8,17 @@
     <p:sldId id="256" r:id="rId2"/>
     <p:sldId id="257" r:id="rId3"/>
     <p:sldId id="258" r:id="rId4"/>
-    <p:sldId id="267" r:id="rId5"/>
-    <p:sldId id="260" r:id="rId6"/>
-    <p:sldId id="268" r:id="rId7"/>
+    <p:sldId id="260" r:id="rId5"/>
+    <p:sldId id="268" r:id="rId6"/>
+    <p:sldId id="267" r:id="rId7"/>
     <p:sldId id="262" r:id="rId8"/>
     <p:sldId id="263" r:id="rId9"/>
     <p:sldId id="264" r:id="rId10"/>
     <p:sldId id="265" r:id="rId11"/>
     <p:sldId id="269" r:id="rId12"/>
     <p:sldId id="270" r:id="rId13"/>
-    <p:sldId id="266" r:id="rId14"/>
+    <p:sldId id="271" r:id="rId14"/>
+    <p:sldId id="266" r:id="rId15"/>
   </p:sldIdLst>
   <p:sldSz cx="12192000" cy="6858000"/>
   <p:notesSz cx="6858000" cy="9144000"/>
@@ -116,6 +117,11 @@
       </a:defRPr>
     </a:lvl9pPr>
   </p:defaultTextStyle>
+  <p:extLst>
+    <p:ext uri="{EFAFB233-063F-42B5-8137-9DF3F51BA10A}">
+      <p15:sldGuideLst xmlns:p15="http://schemas.microsoft.com/office/powerpoint/2012/main"/>
+    </p:ext>
+  </p:extLst>
 </p:presentation>
 </file>
 
@@ -15807,7 +15813,7 @@
           <a:p>
             <a:fld id="{7C926B95-B4B9-4140-9CBF-789425794181}" type="datetimeFigureOut">
               <a:rPr lang="en-US" smtClean="0"/>
-              <a:t>6/19/2019</a:t>
+              <a:t>6/22/19</a:t>
             </a:fld>
             <a:endParaRPr lang="en-US"/>
           </a:p>
@@ -16005,7 +16011,7 @@
           <a:p>
             <a:fld id="{7C926B95-B4B9-4140-9CBF-789425794181}" type="datetimeFigureOut">
               <a:rPr lang="en-US" smtClean="0"/>
-              <a:t>6/19/2019</a:t>
+              <a:t>6/22/19</a:t>
             </a:fld>
             <a:endParaRPr lang="en-US"/>
           </a:p>
@@ -16213,7 +16219,7 @@
           <a:p>
             <a:fld id="{7C926B95-B4B9-4140-9CBF-789425794181}" type="datetimeFigureOut">
               <a:rPr lang="en-US" smtClean="0"/>
-              <a:t>6/19/2019</a:t>
+              <a:t>6/22/19</a:t>
             </a:fld>
             <a:endParaRPr lang="en-US"/>
           </a:p>
@@ -16411,7 +16417,7 @@
           <a:p>
             <a:fld id="{7C926B95-B4B9-4140-9CBF-789425794181}" type="datetimeFigureOut">
               <a:rPr lang="en-US" smtClean="0"/>
-              <a:t>6/19/2019</a:t>
+              <a:t>6/22/19</a:t>
             </a:fld>
             <a:endParaRPr lang="en-US"/>
           </a:p>
@@ -16686,7 +16692,7 @@
           <a:p>
             <a:fld id="{7C926B95-B4B9-4140-9CBF-789425794181}" type="datetimeFigureOut">
               <a:rPr lang="en-US" smtClean="0"/>
-              <a:t>6/19/2019</a:t>
+              <a:t>6/22/19</a:t>
             </a:fld>
             <a:endParaRPr lang="en-US"/>
           </a:p>
@@ -16951,7 +16957,7 @@
           <a:p>
             <a:fld id="{7C926B95-B4B9-4140-9CBF-789425794181}" type="datetimeFigureOut">
               <a:rPr lang="en-US" smtClean="0"/>
-              <a:t>6/19/2019</a:t>
+              <a:t>6/22/19</a:t>
             </a:fld>
             <a:endParaRPr lang="en-US"/>
           </a:p>
@@ -17363,7 +17369,7 @@
           <a:p>
             <a:fld id="{7C926B95-B4B9-4140-9CBF-789425794181}" type="datetimeFigureOut">
               <a:rPr lang="en-US" smtClean="0"/>
-              <a:t>6/19/2019</a:t>
+              <a:t>6/22/19</a:t>
             </a:fld>
             <a:endParaRPr lang="en-US"/>
           </a:p>
@@ -17504,7 +17510,7 @@
           <a:p>
             <a:fld id="{7C926B95-B4B9-4140-9CBF-789425794181}" type="datetimeFigureOut">
               <a:rPr lang="en-US" smtClean="0"/>
-              <a:t>6/19/2019</a:t>
+              <a:t>6/22/19</a:t>
             </a:fld>
             <a:endParaRPr lang="en-US"/>
           </a:p>
@@ -17617,7 +17623,7 @@
           <a:p>
             <a:fld id="{7C926B95-B4B9-4140-9CBF-789425794181}" type="datetimeFigureOut">
               <a:rPr lang="en-US" smtClean="0"/>
-              <a:t>6/19/2019</a:t>
+              <a:t>6/22/19</a:t>
             </a:fld>
             <a:endParaRPr lang="en-US"/>
           </a:p>
@@ -17928,7 +17934,7 @@
           <a:p>
             <a:fld id="{7C926B95-B4B9-4140-9CBF-789425794181}" type="datetimeFigureOut">
               <a:rPr lang="en-US" smtClean="0"/>
-              <a:t>6/19/2019</a:t>
+              <a:t>6/22/19</a:t>
             </a:fld>
             <a:endParaRPr lang="en-US"/>
           </a:p>
@@ -18216,7 +18222,7 @@
           <a:p>
             <a:fld id="{7C926B95-B4B9-4140-9CBF-789425794181}" type="datetimeFigureOut">
               <a:rPr lang="en-US" smtClean="0"/>
-              <a:t>6/19/2019</a:t>
+              <a:t>6/22/19</a:t>
             </a:fld>
             <a:endParaRPr lang="en-US"/>
           </a:p>
@@ -18457,7 +18463,7 @@
           <a:p>
             <a:fld id="{7C926B95-B4B9-4140-9CBF-789425794181}" type="datetimeFigureOut">
               <a:rPr lang="en-US" smtClean="0"/>
-              <a:t>6/19/2019</a:t>
+              <a:t>6/22/19</a:t>
             </a:fld>
             <a:endParaRPr lang="en-US"/>
           </a:p>
@@ -19516,7 +19522,7 @@
         </p:nvSpPr>
         <p:spPr>
           <a:xfrm>
-            <a:off x="5962918" y="553792"/>
+            <a:off x="6156960" y="506462"/>
             <a:ext cx="4919730" cy="646331"/>
           </a:xfrm>
           <a:prstGeom prst="rect">
@@ -19602,6 +19608,109 @@
           <p:cNvPr id="2" name="Title 1">
             <a:extLst>
               <a:ext uri="{FF2B5EF4-FFF2-40B4-BE49-F238E27FC236}">
+                <a16:creationId xmlns:a16="http://schemas.microsoft.com/office/drawing/2014/main" id="{2E087FEE-1E49-F743-8434-7703FA7870E4}"/>
+              </a:ext>
+            </a:extLst>
+          </p:cNvPr>
+          <p:cNvSpPr>
+            <a:spLocks noGrp="1"/>
+          </p:cNvSpPr>
+          <p:nvPr>
+            <p:ph type="title"/>
+          </p:nvPr>
+        </p:nvSpPr>
+        <p:spPr/>
+        <p:txBody>
+          <a:bodyPr/>
+          <a:lstStyle/>
+          <a:p>
+            <a:r>
+              <a:rPr lang="en-US" dirty="0"/>
+              <a:t>Most popular beer style and name in the US</a:t>
+            </a:r>
+          </a:p>
+        </p:txBody>
+      </p:sp>
+      <p:sp>
+        <p:nvSpPr>
+          <p:cNvPr id="3" name="Content Placeholder 2">
+            <a:extLst>
+              <a:ext uri="{FF2B5EF4-FFF2-40B4-BE49-F238E27FC236}">
+                <a16:creationId xmlns:a16="http://schemas.microsoft.com/office/drawing/2014/main" id="{F9FE5C90-14F2-F043-BD4F-54E2D62B55BC}"/>
+              </a:ext>
+            </a:extLst>
+          </p:cNvPr>
+          <p:cNvSpPr>
+            <a:spLocks noGrp="1"/>
+          </p:cNvSpPr>
+          <p:nvPr>
+            <p:ph idx="1"/>
+          </p:nvPr>
+        </p:nvSpPr>
+        <p:spPr/>
+        <p:txBody>
+          <a:bodyPr/>
+          <a:lstStyle/>
+          <a:p>
+            <a:r>
+              <a:rPr lang="en-US" dirty="0"/>
+              <a:t>Most popular beer  style in the US: American IPA. </a:t>
+            </a:r>
+          </a:p>
+          <a:p>
+            <a:endParaRPr lang="en-US" dirty="0"/>
+          </a:p>
+          <a:p>
+            <a:r>
+              <a:rPr lang="en-US" dirty="0"/>
+              <a:t>Most popular beer name in the US: Nonstop </a:t>
+            </a:r>
+            <a:r>
+              <a:rPr lang="en-US" dirty="0" err="1"/>
+              <a:t>Hef</a:t>
+            </a:r>
+            <a:r>
+              <a:rPr lang="en-US" dirty="0"/>
+              <a:t> Hop</a:t>
+            </a:r>
+          </a:p>
+        </p:txBody>
+      </p:sp>
+    </p:spTree>
+    <p:extLst>
+      <p:ext uri="{BB962C8B-B14F-4D97-AF65-F5344CB8AC3E}">
+        <p14:creationId xmlns:p14="http://schemas.microsoft.com/office/powerpoint/2010/main" val="2735390397"/>
+      </p:ext>
+    </p:extLst>
+  </p:cSld>
+  <p:clrMapOvr>
+    <a:masterClrMapping/>
+  </p:clrMapOvr>
+</p:sld>
+</file>
+
+<file path=ppt/slides/slide14.xml><?xml version="1.0" encoding="utf-8"?>
+<p:sld xmlns:a="http://schemas.openxmlformats.org/drawingml/2006/main" xmlns:r="http://schemas.openxmlformats.org/officeDocument/2006/relationships" xmlns:p="http://schemas.openxmlformats.org/presentationml/2006/main">
+  <p:cSld>
+    <p:spTree>
+      <p:nvGrpSpPr>
+        <p:cNvPr id="1" name=""/>
+        <p:cNvGrpSpPr/>
+        <p:nvPr/>
+      </p:nvGrpSpPr>
+      <p:grpSpPr>
+        <a:xfrm>
+          <a:off x="0" y="0"/>
+          <a:ext cx="0" cy="0"/>
+          <a:chOff x="0" y="0"/>
+          <a:chExt cx="0" cy="0"/>
+        </a:xfrm>
+      </p:grpSpPr>
+      <p:sp>
+        <p:nvSpPr>
+          <p:cNvPr id="2" name="Title 1">
+            <a:extLst>
+              <a:ext uri="{FF2B5EF4-FFF2-40B4-BE49-F238E27FC236}">
                 <a16:creationId xmlns:a16="http://schemas.microsoft.com/office/drawing/2014/main" id="{EA578BC1-88EC-4567-B7E8-25EE87349564}"/>
               </a:ext>
             </a:extLst>
@@ -19625,10 +19734,113 @@
           </a:bodyPr>
           <a:lstStyle/>
           <a:p>
-            <a:endParaRPr lang="en-US" dirty="0">
-              <a:latin typeface="Segoe UI Light" panose="020B0502040204020203" pitchFamily="34" charset="0"/>
-              <a:cs typeface="Segoe UI Light" panose="020B0502040204020203" pitchFamily="34" charset="0"/>
-            </a:endParaRPr>
+            <a:r>
+              <a:rPr lang="en-US" dirty="0">
+                <a:latin typeface="Segoe UI Light" panose="020B0502040204020203" pitchFamily="34" charset="0"/>
+                <a:cs typeface="Segoe UI Light" panose="020B0502040204020203" pitchFamily="34" charset="0"/>
+              </a:rPr>
+              <a:t>Conclusion:</a:t>
+            </a:r>
+          </a:p>
+        </p:txBody>
+      </p:sp>
+      <p:sp>
+        <p:nvSpPr>
+          <p:cNvPr id="3" name="TextBox 2">
+            <a:extLst>
+              <a:ext uri="{FF2B5EF4-FFF2-40B4-BE49-F238E27FC236}">
+                <a16:creationId xmlns:a16="http://schemas.microsoft.com/office/drawing/2014/main" id="{5FF048DD-6FB5-0140-868E-2A34E4E0F33A}"/>
+              </a:ext>
+            </a:extLst>
+          </p:cNvPr>
+          <p:cNvSpPr txBox="1"/>
+          <p:nvPr/>
+        </p:nvSpPr>
+        <p:spPr>
+          <a:xfrm>
+            <a:off x="1136469" y="1698171"/>
+            <a:ext cx="10775707" cy="3139321"/>
+          </a:xfrm>
+          <a:prstGeom prst="rect">
+            <a:avLst/>
+          </a:prstGeom>
+          <a:noFill/>
+        </p:spPr>
+        <p:txBody>
+          <a:bodyPr wrap="none" rtlCol="0">
+            <a:spAutoFit/>
+          </a:bodyPr>
+          <a:lstStyle/>
+          <a:p>
+            <a:r>
+              <a:rPr lang="en-US" dirty="0"/>
+              <a:t>-We will recommend to have the headquarter in a state with the lowest amount of breweries which is Mississippi</a:t>
+            </a:r>
+          </a:p>
+          <a:p>
+            <a:endParaRPr lang="en-US" dirty="0"/>
+          </a:p>
+          <a:p>
+            <a:r>
+              <a:rPr lang="en-US" dirty="0"/>
+              <a:t>-The style of beer that we would recommend will be American IPA. We found American IPA to be the most</a:t>
+            </a:r>
+          </a:p>
+          <a:p>
+            <a:r>
+              <a:rPr lang="en-US" dirty="0"/>
+              <a:t> popular style</a:t>
+            </a:r>
+          </a:p>
+          <a:p>
+            <a:endParaRPr lang="en-US" dirty="0"/>
+          </a:p>
+          <a:p>
+            <a:r>
+              <a:rPr lang="en-US" dirty="0"/>
+              <a:t>-The name of the beer that will recommend will be Nonstop </a:t>
+            </a:r>
+            <a:r>
+              <a:rPr lang="en-US" dirty="0" err="1"/>
+              <a:t>Hef</a:t>
+            </a:r>
+            <a:r>
+              <a:rPr lang="en-US" dirty="0"/>
+              <a:t> Hop. We found Nonstop </a:t>
+            </a:r>
+            <a:r>
+              <a:rPr lang="en-US" dirty="0" err="1"/>
+              <a:t>Hef</a:t>
+            </a:r>
+            <a:r>
+              <a:rPr lang="en-US" dirty="0"/>
+              <a:t> Hop to be </a:t>
+            </a:r>
+          </a:p>
+          <a:p>
+            <a:r>
+              <a:rPr lang="en-US" dirty="0"/>
+              <a:t>the most popular beer name</a:t>
+            </a:r>
+          </a:p>
+          <a:p>
+            <a:endParaRPr lang="en-US" dirty="0"/>
+          </a:p>
+          <a:p>
+            <a:r>
+              <a:rPr lang="en-US"/>
+              <a:t>-According </a:t>
+            </a:r>
+            <a:r>
+              <a:rPr lang="en-US" dirty="0"/>
+              <a:t>to our linear model, for an above average ABV beer at 0.06 , the ideal IBU is roughly 35-40.</a:t>
+            </a:r>
+          </a:p>
+          <a:p>
+            <a:endParaRPr lang="en-US" dirty="0"/>
+          </a:p>
+          <a:p>
+            <a:endParaRPr lang="en-US" dirty="0"/>
           </a:p>
         </p:txBody>
       </p:sp>
@@ -19695,8 +19907,99 @@
                 <a:latin typeface="Segoe UI Light" panose="020B0502040204020203" pitchFamily="34" charset="0"/>
                 <a:cs typeface="Segoe UI Light" panose="020B0502040204020203" pitchFamily="34" charset="0"/>
               </a:rPr>
-              <a:t>Intro</a:t>
+              <a:t>Intro: </a:t>
             </a:r>
+          </a:p>
+        </p:txBody>
+      </p:sp>
+      <p:sp>
+        <p:nvSpPr>
+          <p:cNvPr id="4" name="TextBox 3">
+            <a:extLst>
+              <a:ext uri="{FF2B5EF4-FFF2-40B4-BE49-F238E27FC236}">
+                <a16:creationId xmlns:a16="http://schemas.microsoft.com/office/drawing/2014/main" id="{CC2E345B-A0BE-3F4A-8F46-216429D23C26}"/>
+              </a:ext>
+            </a:extLst>
+          </p:cNvPr>
+          <p:cNvSpPr txBox="1"/>
+          <p:nvPr/>
+        </p:nvSpPr>
+        <p:spPr>
+          <a:xfrm>
+            <a:off x="535576" y="1306287"/>
+            <a:ext cx="10818223" cy="6524863"/>
+          </a:xfrm>
+          <a:prstGeom prst="rect">
+            <a:avLst/>
+          </a:prstGeom>
+          <a:noFill/>
+        </p:spPr>
+        <p:txBody>
+          <a:bodyPr wrap="square" rtlCol="0">
+            <a:spAutoFit/>
+          </a:bodyPr>
+          <a:lstStyle/>
+          <a:p>
+            <a:pPr fontAlgn="base"/>
+            <a:r>
+              <a:rPr lang="en-US" sz="2800" b="1" dirty="0"/>
+              <a:t>Given the datasets Beer and Brews, we want to know:</a:t>
+            </a:r>
+          </a:p>
+          <a:p>
+            <a:pPr fontAlgn="base"/>
+            <a:endParaRPr lang="en-US" sz="2800" b="1" dirty="0"/>
+          </a:p>
+          <a:p>
+            <a:pPr fontAlgn="base"/>
+            <a:r>
+              <a:rPr lang="en-US" sz="2800" b="1" dirty="0"/>
+              <a:t>	</a:t>
+            </a:r>
+            <a:r>
+              <a:rPr lang="en-US" sz="3200" b="1" dirty="0"/>
+              <a:t>-Where our headquarters should be?</a:t>
+            </a:r>
+          </a:p>
+          <a:p>
+            <a:pPr fontAlgn="base"/>
+            <a:endParaRPr lang="en-US" sz="3200" b="1" dirty="0"/>
+          </a:p>
+          <a:p>
+            <a:pPr fontAlgn="base"/>
+            <a:r>
+              <a:rPr lang="en-US" sz="3200" b="1" dirty="0"/>
+              <a:t>	-What style and name of beer would appeal to the widest audience?</a:t>
+            </a:r>
+          </a:p>
+          <a:p>
+            <a:pPr fontAlgn="base"/>
+            <a:endParaRPr lang="en-US" sz="3200" b="1" dirty="0"/>
+          </a:p>
+          <a:p>
+            <a:pPr fontAlgn="base"/>
+            <a:r>
+              <a:rPr lang="en-US" sz="3200" b="1" dirty="0"/>
+              <a:t>	-What ABV and IBU should be used for the production of beers?</a:t>
+            </a:r>
+          </a:p>
+          <a:p>
+            <a:pPr fontAlgn="base"/>
+            <a:endParaRPr lang="en-US" sz="2800" b="1" dirty="0"/>
+          </a:p>
+          <a:p>
+            <a:pPr fontAlgn="base"/>
+            <a:endParaRPr lang="en-US" b="1" dirty="0"/>
+          </a:p>
+          <a:p>
+            <a:pPr fontAlgn="base"/>
+            <a:endParaRPr lang="en-US" sz="2800" b="1" dirty="0"/>
+          </a:p>
+          <a:p>
+            <a:br>
+              <a:rPr lang="en-US" sz="3200" dirty="0"/>
+            </a:br>
+            <a:endParaRPr lang="en-US" sz="3200" dirty="0"/>
           </a:p>
         </p:txBody>
       </p:sp>
@@ -19954,395 +20257,6 @@
 </file>
 
 <file path=ppt/slides/slide4.xml><?xml version="1.0" encoding="utf-8"?>
-<p:sld xmlns:a="http://schemas.openxmlformats.org/drawingml/2006/main" xmlns:r="http://schemas.openxmlformats.org/officeDocument/2006/relationships" xmlns:p="http://schemas.openxmlformats.org/presentationml/2006/main">
-  <p:cSld>
-    <p:spTree>
-      <p:nvGrpSpPr>
-        <p:cNvPr id="1" name=""/>
-        <p:cNvGrpSpPr/>
-        <p:nvPr/>
-      </p:nvGrpSpPr>
-      <p:grpSpPr>
-        <a:xfrm>
-          <a:off x="0" y="0"/>
-          <a:ext cx="0" cy="0"/>
-          <a:chOff x="0" y="0"/>
-          <a:chExt cx="0" cy="0"/>
-        </a:xfrm>
-      </p:grpSpPr>
-      <p:pic>
-        <p:nvPicPr>
-          <p:cNvPr id="3" name="Picture 2">
-            <a:extLst>
-              <a:ext uri="{FF2B5EF4-FFF2-40B4-BE49-F238E27FC236}">
-                <a16:creationId xmlns:a16="http://schemas.microsoft.com/office/drawing/2014/main" id="{251B5DB6-FC6D-4F0E-AF07-9EA78D93BEB7}"/>
-              </a:ext>
-            </a:extLst>
-          </p:cNvPr>
-          <p:cNvPicPr>
-            <a:picLocks noChangeAspect="1"/>
-          </p:cNvPicPr>
-          <p:nvPr/>
-        </p:nvPicPr>
-        <p:blipFill>
-          <a:blip r:embed="rId2"/>
-          <a:stretch>
-            <a:fillRect/>
-          </a:stretch>
-        </p:blipFill>
-        <p:spPr>
-          <a:xfrm>
-            <a:off x="0" y="0"/>
-            <a:ext cx="12198514" cy="4687910"/>
-          </a:xfrm>
-          <a:prstGeom prst="rect">
-            <a:avLst/>
-          </a:prstGeom>
-        </p:spPr>
-      </p:pic>
-      <p:sp>
-        <p:nvSpPr>
-          <p:cNvPr id="2" name="Title 1">
-            <a:extLst>
-              <a:ext uri="{FF2B5EF4-FFF2-40B4-BE49-F238E27FC236}">
-                <a16:creationId xmlns:a16="http://schemas.microsoft.com/office/drawing/2014/main" id="{EA578BC1-88EC-4567-B7E8-25EE87349564}"/>
-              </a:ext>
-            </a:extLst>
-          </p:cNvPr>
-          <p:cNvSpPr>
-            <a:spLocks noGrp="1"/>
-          </p:cNvSpPr>
-          <p:nvPr>
-            <p:ph type="title"/>
-          </p:nvPr>
-        </p:nvSpPr>
-        <p:spPr>
-          <a:xfrm>
-            <a:off x="103031" y="0"/>
-            <a:ext cx="4893972" cy="671823"/>
-          </a:xfrm>
-        </p:spPr>
-        <p:txBody>
-          <a:bodyPr>
-            <a:normAutofit fontScale="90000"/>
-          </a:bodyPr>
-          <a:lstStyle/>
-          <a:p>
-            <a:r>
-              <a:rPr lang="en-US" b="1" dirty="0">
-                <a:effectLst>
-                  <a:glow rad="139700">
-                    <a:schemeClr val="accent4">
-                      <a:satMod val="175000"/>
-                      <a:alpha val="40000"/>
-                    </a:schemeClr>
-                  </a:glow>
-                </a:effectLst>
-                <a:latin typeface="Segoe UI Light" panose="020B0502040204020203" pitchFamily="34" charset="0"/>
-                <a:cs typeface="Segoe UI Light" panose="020B0502040204020203" pitchFamily="34" charset="0"/>
-              </a:rPr>
-              <a:t>Breweries Per State</a:t>
-            </a:r>
-          </a:p>
-        </p:txBody>
-      </p:sp>
-      <p:pic>
-        <p:nvPicPr>
-          <p:cNvPr id="5" name="Picture 4">
-            <a:extLst>
-              <a:ext uri="{FF2B5EF4-FFF2-40B4-BE49-F238E27FC236}">
-                <a16:creationId xmlns:a16="http://schemas.microsoft.com/office/drawing/2014/main" id="{EDD5EC32-6008-4590-8979-D7C1D5EBC7BD}"/>
-              </a:ext>
-            </a:extLst>
-          </p:cNvPr>
-          <p:cNvPicPr>
-            <a:picLocks noChangeAspect="1"/>
-          </p:cNvPicPr>
-          <p:nvPr/>
-        </p:nvPicPr>
-        <p:blipFill>
-          <a:blip r:embed="rId3"/>
-          <a:stretch>
-            <a:fillRect/>
-          </a:stretch>
-        </p:blipFill>
-        <p:spPr>
-          <a:xfrm>
-            <a:off x="6514" y="4198513"/>
-            <a:ext cx="12192000" cy="2659487"/>
-          </a:xfrm>
-          <a:prstGeom prst="rect">
-            <a:avLst/>
-          </a:prstGeom>
-        </p:spPr>
-      </p:pic>
-      <p:sp>
-        <p:nvSpPr>
-          <p:cNvPr id="6" name="TextBox 5">
-            <a:extLst>
-              <a:ext uri="{FF2B5EF4-FFF2-40B4-BE49-F238E27FC236}">
-                <a16:creationId xmlns:a16="http://schemas.microsoft.com/office/drawing/2014/main" id="{4CF11D94-55A7-483F-B598-1FD434C305E6}"/>
-              </a:ext>
-            </a:extLst>
-          </p:cNvPr>
-          <p:cNvSpPr txBox="1"/>
-          <p:nvPr/>
-        </p:nvSpPr>
-        <p:spPr>
-          <a:xfrm>
-            <a:off x="206062" y="1558005"/>
-            <a:ext cx="1648495" cy="1754326"/>
-          </a:xfrm>
-          <a:prstGeom prst="rect">
-            <a:avLst/>
-          </a:prstGeom>
-          <a:solidFill>
-            <a:srgbClr val="FFFFFF">
-              <a:alpha val="40000"/>
-            </a:srgbClr>
-          </a:solidFill>
-        </p:spPr>
-        <p:txBody>
-          <a:bodyPr wrap="square" rtlCol="0">
-            <a:spAutoFit/>
-          </a:bodyPr>
-          <a:lstStyle/>
-          <a:p>
-            <a:r>
-              <a:rPr lang="en-US" b="1" u="sng" cap="all" dirty="0">
-                <a:solidFill>
-                  <a:srgbClr val="00B050"/>
-                </a:solidFill>
-              </a:rPr>
-              <a:t>Top 5 States</a:t>
-            </a:r>
-          </a:p>
-          <a:p>
-            <a:pPr marL="342900" indent="-342900">
-              <a:buFont typeface="+mj-lt"/>
-              <a:buAutoNum type="arabicPeriod"/>
-            </a:pPr>
-            <a:r>
-              <a:rPr lang="en-US" b="1" dirty="0">
-                <a:solidFill>
-                  <a:srgbClr val="00B050"/>
-                </a:solidFill>
-              </a:rPr>
-              <a:t>Colorado</a:t>
-            </a:r>
-          </a:p>
-          <a:p>
-            <a:pPr marL="342900" indent="-342900">
-              <a:buFont typeface="+mj-lt"/>
-              <a:buAutoNum type="arabicPeriod"/>
-            </a:pPr>
-            <a:r>
-              <a:rPr lang="en-US" b="1" dirty="0">
-                <a:solidFill>
-                  <a:srgbClr val="00B050"/>
-                </a:solidFill>
-              </a:rPr>
-              <a:t>California</a:t>
-            </a:r>
-          </a:p>
-          <a:p>
-            <a:pPr marL="342900" indent="-342900">
-              <a:buFont typeface="+mj-lt"/>
-              <a:buAutoNum type="arabicPeriod"/>
-            </a:pPr>
-            <a:r>
-              <a:rPr lang="en-US" b="1" dirty="0">
-                <a:solidFill>
-                  <a:srgbClr val="00B050"/>
-                </a:solidFill>
-              </a:rPr>
-              <a:t>Michigan</a:t>
-            </a:r>
-          </a:p>
-          <a:p>
-            <a:pPr marL="342900" indent="-342900">
-              <a:buFont typeface="+mj-lt"/>
-              <a:buAutoNum type="arabicPeriod"/>
-            </a:pPr>
-            <a:r>
-              <a:rPr lang="en-US" b="1" dirty="0">
-                <a:solidFill>
-                  <a:srgbClr val="00B050"/>
-                </a:solidFill>
-              </a:rPr>
-              <a:t>Oregon</a:t>
-            </a:r>
-          </a:p>
-          <a:p>
-            <a:pPr marL="342900" indent="-342900">
-              <a:buFont typeface="+mj-lt"/>
-              <a:buAutoNum type="arabicPeriod"/>
-            </a:pPr>
-            <a:r>
-              <a:rPr lang="en-US" b="1" dirty="0">
-                <a:solidFill>
-                  <a:srgbClr val="00B050"/>
-                </a:solidFill>
-              </a:rPr>
-              <a:t>Texas</a:t>
-            </a:r>
-          </a:p>
-        </p:txBody>
-      </p:sp>
-      <p:sp>
-        <p:nvSpPr>
-          <p:cNvPr id="7" name="TextBox 6">
-            <a:extLst>
-              <a:ext uri="{FF2B5EF4-FFF2-40B4-BE49-F238E27FC236}">
-                <a16:creationId xmlns:a16="http://schemas.microsoft.com/office/drawing/2014/main" id="{3555544C-633C-4CAF-A629-E88F9584B4C2}"/>
-              </a:ext>
-            </a:extLst>
-          </p:cNvPr>
-          <p:cNvSpPr txBox="1"/>
-          <p:nvPr/>
-        </p:nvSpPr>
-        <p:spPr>
-          <a:xfrm>
-            <a:off x="1854557" y="1558005"/>
-            <a:ext cx="2897747" cy="2185214"/>
-          </a:xfrm>
-          <a:prstGeom prst="rect">
-            <a:avLst/>
-          </a:prstGeom>
-          <a:solidFill>
-            <a:srgbClr val="FFFFFF">
-              <a:alpha val="40000"/>
-            </a:srgbClr>
-          </a:solidFill>
-        </p:spPr>
-        <p:txBody>
-          <a:bodyPr wrap="square" rtlCol="0">
-            <a:spAutoFit/>
-          </a:bodyPr>
-          <a:lstStyle/>
-          <a:p>
-            <a:r>
-              <a:rPr lang="en-US" b="1" u="sng" cap="all" dirty="0" err="1">
-                <a:solidFill>
-                  <a:schemeClr val="accent2">
-                    <a:lumMod val="75000"/>
-                  </a:schemeClr>
-                </a:solidFill>
-              </a:rPr>
-              <a:t>BOTToM</a:t>
-            </a:r>
-            <a:r>
-              <a:rPr lang="en-US" b="1" u="sng" cap="all" dirty="0">
-                <a:solidFill>
-                  <a:schemeClr val="accent2">
-                    <a:lumMod val="75000"/>
-                  </a:schemeClr>
-                </a:solidFill>
-              </a:rPr>
-              <a:t> 4 States**</a:t>
-            </a:r>
-          </a:p>
-          <a:p>
-            <a:pPr marL="342900" indent="-342900">
-              <a:buFont typeface="+mj-lt"/>
-              <a:buAutoNum type="arabicPeriod"/>
-            </a:pPr>
-            <a:r>
-              <a:rPr lang="en-US" b="1" dirty="0">
-                <a:solidFill>
-                  <a:schemeClr val="accent2">
-                    <a:lumMod val="75000"/>
-                  </a:schemeClr>
-                </a:solidFill>
-              </a:rPr>
-              <a:t>DC</a:t>
-            </a:r>
-          </a:p>
-          <a:p>
-            <a:pPr marL="342900" indent="-342900">
-              <a:buFont typeface="+mj-lt"/>
-              <a:buAutoNum type="arabicPeriod"/>
-            </a:pPr>
-            <a:r>
-              <a:rPr lang="en-US" b="1" dirty="0">
-                <a:solidFill>
-                  <a:schemeClr val="accent2">
-                    <a:lumMod val="75000"/>
-                  </a:schemeClr>
-                </a:solidFill>
-              </a:rPr>
-              <a:t>South Dakota</a:t>
-            </a:r>
-          </a:p>
-          <a:p>
-            <a:pPr marL="342900" indent="-342900">
-              <a:buFont typeface="+mj-lt"/>
-              <a:buAutoNum type="arabicPeriod"/>
-            </a:pPr>
-            <a:r>
-              <a:rPr lang="en-US" b="1" dirty="0">
-                <a:solidFill>
-                  <a:schemeClr val="accent2">
-                    <a:lumMod val="75000"/>
-                  </a:schemeClr>
-                </a:solidFill>
-              </a:rPr>
-              <a:t>North Dakota</a:t>
-            </a:r>
-          </a:p>
-          <a:p>
-            <a:pPr marL="342900" indent="-342900">
-              <a:buFont typeface="+mj-lt"/>
-              <a:buAutoNum type="arabicPeriod"/>
-            </a:pPr>
-            <a:r>
-              <a:rPr lang="en-US" b="1" dirty="0">
-                <a:solidFill>
-                  <a:schemeClr val="accent2">
-                    <a:lumMod val="75000"/>
-                  </a:schemeClr>
-                </a:solidFill>
-              </a:rPr>
-              <a:t>West Virginia</a:t>
-            </a:r>
-          </a:p>
-          <a:p>
-            <a:endParaRPr lang="en-US" b="1" dirty="0">
-              <a:solidFill>
-                <a:schemeClr val="accent2">
-                  <a:lumMod val="75000"/>
-                </a:schemeClr>
-              </a:solidFill>
-            </a:endParaRPr>
-          </a:p>
-          <a:p>
-            <a:r>
-              <a:rPr lang="en-US" sz="1400" i="1" dirty="0">
-                <a:solidFill>
-                  <a:schemeClr val="accent2">
-                    <a:lumMod val="75000"/>
-                  </a:schemeClr>
-                </a:solidFill>
-              </a:rPr>
-              <a:t>**Each of these have only 1 brewery in the entire state</a:t>
-            </a:r>
-          </a:p>
-        </p:txBody>
-      </p:sp>
-    </p:spTree>
-    <p:extLst>
-      <p:ext uri="{BB962C8B-B14F-4D97-AF65-F5344CB8AC3E}">
-        <p14:creationId xmlns:p14="http://schemas.microsoft.com/office/powerpoint/2010/main" val="3830979412"/>
-      </p:ext>
-    </p:extLst>
-  </p:cSld>
-  <p:clrMapOvr>
-    <a:masterClrMapping/>
-  </p:clrMapOvr>
-</p:sld>
-</file>
-
-<file path=ppt/slides/slide5.xml><?xml version="1.0" encoding="utf-8"?>
 <p:sld xmlns:a="http://schemas.openxmlformats.org/drawingml/2006/main" xmlns:r="http://schemas.openxmlformats.org/officeDocument/2006/relationships" xmlns:p="http://schemas.openxmlformats.org/presentationml/2006/main">
   <p:cSld>
     <p:spTree>
@@ -24044,7 +23958,7 @@
 </p:sld>
 </file>
 
-<file path=ppt/slides/slide6.xml><?xml version="1.0" encoding="utf-8"?>
+<file path=ppt/slides/slide5.xml><?xml version="1.0" encoding="utf-8"?>
 <p:sld xmlns:a="http://schemas.openxmlformats.org/drawingml/2006/main" xmlns:r="http://schemas.openxmlformats.org/officeDocument/2006/relationships" xmlns:p="http://schemas.openxmlformats.org/presentationml/2006/main">
   <p:cSld>
     <p:spTree>
@@ -24786,6 +24700,395 @@
 </p:sld>
 </file>
 
+<file path=ppt/slides/slide6.xml><?xml version="1.0" encoding="utf-8"?>
+<p:sld xmlns:a="http://schemas.openxmlformats.org/drawingml/2006/main" xmlns:r="http://schemas.openxmlformats.org/officeDocument/2006/relationships" xmlns:p="http://schemas.openxmlformats.org/presentationml/2006/main">
+  <p:cSld>
+    <p:spTree>
+      <p:nvGrpSpPr>
+        <p:cNvPr id="1" name=""/>
+        <p:cNvGrpSpPr/>
+        <p:nvPr/>
+      </p:nvGrpSpPr>
+      <p:grpSpPr>
+        <a:xfrm>
+          <a:off x="0" y="0"/>
+          <a:ext cx="0" cy="0"/>
+          <a:chOff x="0" y="0"/>
+          <a:chExt cx="0" cy="0"/>
+        </a:xfrm>
+      </p:grpSpPr>
+      <p:pic>
+        <p:nvPicPr>
+          <p:cNvPr id="3" name="Picture 2">
+            <a:extLst>
+              <a:ext uri="{FF2B5EF4-FFF2-40B4-BE49-F238E27FC236}">
+                <a16:creationId xmlns:a16="http://schemas.microsoft.com/office/drawing/2014/main" id="{251B5DB6-FC6D-4F0E-AF07-9EA78D93BEB7}"/>
+              </a:ext>
+            </a:extLst>
+          </p:cNvPr>
+          <p:cNvPicPr>
+            <a:picLocks noChangeAspect="1"/>
+          </p:cNvPicPr>
+          <p:nvPr/>
+        </p:nvPicPr>
+        <p:blipFill>
+          <a:blip r:embed="rId2"/>
+          <a:stretch>
+            <a:fillRect/>
+          </a:stretch>
+        </p:blipFill>
+        <p:spPr>
+          <a:xfrm>
+            <a:off x="0" y="0"/>
+            <a:ext cx="12198514" cy="4687910"/>
+          </a:xfrm>
+          <a:prstGeom prst="rect">
+            <a:avLst/>
+          </a:prstGeom>
+        </p:spPr>
+      </p:pic>
+      <p:sp>
+        <p:nvSpPr>
+          <p:cNvPr id="2" name="Title 1">
+            <a:extLst>
+              <a:ext uri="{FF2B5EF4-FFF2-40B4-BE49-F238E27FC236}">
+                <a16:creationId xmlns:a16="http://schemas.microsoft.com/office/drawing/2014/main" id="{EA578BC1-88EC-4567-B7E8-25EE87349564}"/>
+              </a:ext>
+            </a:extLst>
+          </p:cNvPr>
+          <p:cNvSpPr>
+            <a:spLocks noGrp="1"/>
+          </p:cNvSpPr>
+          <p:nvPr>
+            <p:ph type="title"/>
+          </p:nvPr>
+        </p:nvSpPr>
+        <p:spPr>
+          <a:xfrm>
+            <a:off x="103031" y="0"/>
+            <a:ext cx="4893972" cy="671823"/>
+          </a:xfrm>
+        </p:spPr>
+        <p:txBody>
+          <a:bodyPr>
+            <a:normAutofit fontScale="90000"/>
+          </a:bodyPr>
+          <a:lstStyle/>
+          <a:p>
+            <a:r>
+              <a:rPr lang="en-US" b="1" dirty="0">
+                <a:effectLst>
+                  <a:glow rad="139700">
+                    <a:schemeClr val="accent4">
+                      <a:satMod val="175000"/>
+                      <a:alpha val="40000"/>
+                    </a:schemeClr>
+                  </a:glow>
+                </a:effectLst>
+                <a:latin typeface="Segoe UI Light" panose="020B0502040204020203" pitchFamily="34" charset="0"/>
+                <a:cs typeface="Segoe UI Light" panose="020B0502040204020203" pitchFamily="34" charset="0"/>
+              </a:rPr>
+              <a:t>Breweries Per State</a:t>
+            </a:r>
+          </a:p>
+        </p:txBody>
+      </p:sp>
+      <p:pic>
+        <p:nvPicPr>
+          <p:cNvPr id="5" name="Picture 4">
+            <a:extLst>
+              <a:ext uri="{FF2B5EF4-FFF2-40B4-BE49-F238E27FC236}">
+                <a16:creationId xmlns:a16="http://schemas.microsoft.com/office/drawing/2014/main" id="{EDD5EC32-6008-4590-8979-D7C1D5EBC7BD}"/>
+              </a:ext>
+            </a:extLst>
+          </p:cNvPr>
+          <p:cNvPicPr>
+            <a:picLocks noChangeAspect="1"/>
+          </p:cNvPicPr>
+          <p:nvPr/>
+        </p:nvPicPr>
+        <p:blipFill>
+          <a:blip r:embed="rId3"/>
+          <a:stretch>
+            <a:fillRect/>
+          </a:stretch>
+        </p:blipFill>
+        <p:spPr>
+          <a:xfrm>
+            <a:off x="6514" y="4198513"/>
+            <a:ext cx="12192000" cy="2659487"/>
+          </a:xfrm>
+          <a:prstGeom prst="rect">
+            <a:avLst/>
+          </a:prstGeom>
+        </p:spPr>
+      </p:pic>
+      <p:sp>
+        <p:nvSpPr>
+          <p:cNvPr id="6" name="TextBox 5">
+            <a:extLst>
+              <a:ext uri="{FF2B5EF4-FFF2-40B4-BE49-F238E27FC236}">
+                <a16:creationId xmlns:a16="http://schemas.microsoft.com/office/drawing/2014/main" id="{4CF11D94-55A7-483F-B598-1FD434C305E6}"/>
+              </a:ext>
+            </a:extLst>
+          </p:cNvPr>
+          <p:cNvSpPr txBox="1"/>
+          <p:nvPr/>
+        </p:nvSpPr>
+        <p:spPr>
+          <a:xfrm>
+            <a:off x="206062" y="1558005"/>
+            <a:ext cx="1648495" cy="1754326"/>
+          </a:xfrm>
+          <a:prstGeom prst="rect">
+            <a:avLst/>
+          </a:prstGeom>
+          <a:solidFill>
+            <a:srgbClr val="FFFFFF">
+              <a:alpha val="40000"/>
+            </a:srgbClr>
+          </a:solidFill>
+        </p:spPr>
+        <p:txBody>
+          <a:bodyPr wrap="square" rtlCol="0">
+            <a:spAutoFit/>
+          </a:bodyPr>
+          <a:lstStyle/>
+          <a:p>
+            <a:r>
+              <a:rPr lang="en-US" b="1" u="sng" cap="all" dirty="0">
+                <a:solidFill>
+                  <a:srgbClr val="00B050"/>
+                </a:solidFill>
+              </a:rPr>
+              <a:t>Top 5 States</a:t>
+            </a:r>
+          </a:p>
+          <a:p>
+            <a:pPr marL="342900" indent="-342900">
+              <a:buFont typeface="+mj-lt"/>
+              <a:buAutoNum type="arabicPeriod"/>
+            </a:pPr>
+            <a:r>
+              <a:rPr lang="en-US" b="1" dirty="0">
+                <a:solidFill>
+                  <a:srgbClr val="00B050"/>
+                </a:solidFill>
+              </a:rPr>
+              <a:t>Colorado</a:t>
+            </a:r>
+          </a:p>
+          <a:p>
+            <a:pPr marL="342900" indent="-342900">
+              <a:buFont typeface="+mj-lt"/>
+              <a:buAutoNum type="arabicPeriod"/>
+            </a:pPr>
+            <a:r>
+              <a:rPr lang="en-US" b="1" dirty="0">
+                <a:solidFill>
+                  <a:srgbClr val="00B050"/>
+                </a:solidFill>
+              </a:rPr>
+              <a:t>California</a:t>
+            </a:r>
+          </a:p>
+          <a:p>
+            <a:pPr marL="342900" indent="-342900">
+              <a:buFont typeface="+mj-lt"/>
+              <a:buAutoNum type="arabicPeriod"/>
+            </a:pPr>
+            <a:r>
+              <a:rPr lang="en-US" b="1" dirty="0">
+                <a:solidFill>
+                  <a:srgbClr val="00B050"/>
+                </a:solidFill>
+              </a:rPr>
+              <a:t>Michigan</a:t>
+            </a:r>
+          </a:p>
+          <a:p>
+            <a:pPr marL="342900" indent="-342900">
+              <a:buFont typeface="+mj-lt"/>
+              <a:buAutoNum type="arabicPeriod"/>
+            </a:pPr>
+            <a:r>
+              <a:rPr lang="en-US" b="1" dirty="0">
+                <a:solidFill>
+                  <a:srgbClr val="00B050"/>
+                </a:solidFill>
+              </a:rPr>
+              <a:t>Oregon</a:t>
+            </a:r>
+          </a:p>
+          <a:p>
+            <a:pPr marL="342900" indent="-342900">
+              <a:buFont typeface="+mj-lt"/>
+              <a:buAutoNum type="arabicPeriod"/>
+            </a:pPr>
+            <a:r>
+              <a:rPr lang="en-US" b="1" dirty="0">
+                <a:solidFill>
+                  <a:srgbClr val="00B050"/>
+                </a:solidFill>
+              </a:rPr>
+              <a:t>Texas</a:t>
+            </a:r>
+          </a:p>
+        </p:txBody>
+      </p:sp>
+      <p:sp>
+        <p:nvSpPr>
+          <p:cNvPr id="7" name="TextBox 6">
+            <a:extLst>
+              <a:ext uri="{FF2B5EF4-FFF2-40B4-BE49-F238E27FC236}">
+                <a16:creationId xmlns:a16="http://schemas.microsoft.com/office/drawing/2014/main" id="{3555544C-633C-4CAF-A629-E88F9584B4C2}"/>
+              </a:ext>
+            </a:extLst>
+          </p:cNvPr>
+          <p:cNvSpPr txBox="1"/>
+          <p:nvPr/>
+        </p:nvSpPr>
+        <p:spPr>
+          <a:xfrm>
+            <a:off x="1854557" y="1558005"/>
+            <a:ext cx="2897747" cy="2185214"/>
+          </a:xfrm>
+          <a:prstGeom prst="rect">
+            <a:avLst/>
+          </a:prstGeom>
+          <a:solidFill>
+            <a:srgbClr val="FFFFFF">
+              <a:alpha val="40000"/>
+            </a:srgbClr>
+          </a:solidFill>
+        </p:spPr>
+        <p:txBody>
+          <a:bodyPr wrap="square" rtlCol="0">
+            <a:spAutoFit/>
+          </a:bodyPr>
+          <a:lstStyle/>
+          <a:p>
+            <a:r>
+              <a:rPr lang="en-US" b="1" u="sng" cap="all" dirty="0" err="1">
+                <a:solidFill>
+                  <a:schemeClr val="accent2">
+                    <a:lumMod val="75000"/>
+                  </a:schemeClr>
+                </a:solidFill>
+              </a:rPr>
+              <a:t>BOTToM</a:t>
+            </a:r>
+            <a:r>
+              <a:rPr lang="en-US" b="1" u="sng" cap="all" dirty="0">
+                <a:solidFill>
+                  <a:schemeClr val="accent2">
+                    <a:lumMod val="75000"/>
+                  </a:schemeClr>
+                </a:solidFill>
+              </a:rPr>
+              <a:t> 4 States**</a:t>
+            </a:r>
+          </a:p>
+          <a:p>
+            <a:pPr marL="342900" indent="-342900">
+              <a:buFont typeface="+mj-lt"/>
+              <a:buAutoNum type="arabicPeriod"/>
+            </a:pPr>
+            <a:r>
+              <a:rPr lang="en-US" b="1" dirty="0">
+                <a:solidFill>
+                  <a:schemeClr val="accent2">
+                    <a:lumMod val="75000"/>
+                  </a:schemeClr>
+                </a:solidFill>
+              </a:rPr>
+              <a:t>DC</a:t>
+            </a:r>
+          </a:p>
+          <a:p>
+            <a:pPr marL="342900" indent="-342900">
+              <a:buFont typeface="+mj-lt"/>
+              <a:buAutoNum type="arabicPeriod"/>
+            </a:pPr>
+            <a:r>
+              <a:rPr lang="en-US" b="1" dirty="0">
+                <a:solidFill>
+                  <a:schemeClr val="accent2">
+                    <a:lumMod val="75000"/>
+                  </a:schemeClr>
+                </a:solidFill>
+              </a:rPr>
+              <a:t>South Dakota</a:t>
+            </a:r>
+          </a:p>
+          <a:p>
+            <a:pPr marL="342900" indent="-342900">
+              <a:buFont typeface="+mj-lt"/>
+              <a:buAutoNum type="arabicPeriod"/>
+            </a:pPr>
+            <a:r>
+              <a:rPr lang="en-US" b="1" dirty="0">
+                <a:solidFill>
+                  <a:schemeClr val="accent2">
+                    <a:lumMod val="75000"/>
+                  </a:schemeClr>
+                </a:solidFill>
+              </a:rPr>
+              <a:t>North Dakota</a:t>
+            </a:r>
+          </a:p>
+          <a:p>
+            <a:pPr marL="342900" indent="-342900">
+              <a:buFont typeface="+mj-lt"/>
+              <a:buAutoNum type="arabicPeriod"/>
+            </a:pPr>
+            <a:r>
+              <a:rPr lang="en-US" b="1" dirty="0">
+                <a:solidFill>
+                  <a:schemeClr val="accent2">
+                    <a:lumMod val="75000"/>
+                  </a:schemeClr>
+                </a:solidFill>
+              </a:rPr>
+              <a:t>West Virginia</a:t>
+            </a:r>
+          </a:p>
+          <a:p>
+            <a:endParaRPr lang="en-US" b="1" dirty="0">
+              <a:solidFill>
+                <a:schemeClr val="accent2">
+                  <a:lumMod val="75000"/>
+                </a:schemeClr>
+              </a:solidFill>
+            </a:endParaRPr>
+          </a:p>
+          <a:p>
+            <a:r>
+              <a:rPr lang="en-US" sz="1400" i="1" dirty="0">
+                <a:solidFill>
+                  <a:schemeClr val="accent2">
+                    <a:lumMod val="75000"/>
+                  </a:schemeClr>
+                </a:solidFill>
+              </a:rPr>
+              <a:t>**Each of these have only 1 brewery in the entire state</a:t>
+            </a:r>
+          </a:p>
+        </p:txBody>
+      </p:sp>
+    </p:spTree>
+    <p:extLst>
+      <p:ext uri="{BB962C8B-B14F-4D97-AF65-F5344CB8AC3E}">
+        <p14:creationId xmlns:p14="http://schemas.microsoft.com/office/powerpoint/2010/main" val="3830979412"/>
+      </p:ext>
+    </p:extLst>
+  </p:cSld>
+  <p:clrMapOvr>
+    <a:masterClrMapping/>
+  </p:clrMapOvr>
+</p:sld>
+</file>
+
 <file path=ppt/slides/slide7.xml><?xml version="1.0" encoding="utf-8"?>
 <p:sld xmlns:a="http://schemas.openxmlformats.org/drawingml/2006/main" xmlns:r="http://schemas.openxmlformats.org/officeDocument/2006/relationships" xmlns:p="http://schemas.openxmlformats.org/presentationml/2006/main">
   <p:cSld>
@@ -25206,8 +25509,8 @@
           </a:p>
         </p:txBody>
       </p:sp>
-      <mc:AlternateContent xmlns:mc="http://schemas.openxmlformats.org/markup-compatibility/2006">
-        <mc:Choice xmlns:cx1="http://schemas.microsoft.com/office/drawing/2015/9/8/chartex" Requires="cx1">
+      <mc:AlternateContent xmlns:mc="http://schemas.openxmlformats.org/markup-compatibility/2006" xmlns:cx1="http://schemas.microsoft.com/office/drawing/2015/9/8/chartex">
+        <mc:Choice Requires="cx1">
           <p:graphicFrame>
             <p:nvGraphicFramePr>
               <p:cNvPr id="3" name="Chart 2">
@@ -25237,7 +25540,7 @@
             </a:graphic>
           </p:graphicFrame>
         </mc:Choice>
-        <mc:Fallback>
+        <mc:Fallback xmlns="">
           <p:pic>
             <p:nvPicPr>
               <p:cNvPr id="3" name="Chart 2">

--- a/CaseStudy1_DDS-6306.pptx
+++ b/CaseStudy1_DDS-6306.pptx
@@ -6,8 +6,8 @@
   </p:sldMasterIdLst>
   <p:sldIdLst>
     <p:sldId id="256" r:id="rId2"/>
-    <p:sldId id="257" r:id="rId3"/>
-    <p:sldId id="258" r:id="rId4"/>
+    <p:sldId id="258" r:id="rId3"/>
+    <p:sldId id="257" r:id="rId4"/>
     <p:sldId id="260" r:id="rId5"/>
     <p:sldId id="268" r:id="rId6"/>
     <p:sldId id="267" r:id="rId7"/>
@@ -15813,7 +15813,7 @@
           <a:p>
             <a:fld id="{7C926B95-B4B9-4140-9CBF-789425794181}" type="datetimeFigureOut">
               <a:rPr lang="en-US" smtClean="0"/>
-              <a:t>6/22/19</a:t>
+              <a:t>6/23/19</a:t>
             </a:fld>
             <a:endParaRPr lang="en-US"/>
           </a:p>
@@ -16011,7 +16011,7 @@
           <a:p>
             <a:fld id="{7C926B95-B4B9-4140-9CBF-789425794181}" type="datetimeFigureOut">
               <a:rPr lang="en-US" smtClean="0"/>
-              <a:t>6/22/19</a:t>
+              <a:t>6/23/19</a:t>
             </a:fld>
             <a:endParaRPr lang="en-US"/>
           </a:p>
@@ -16219,7 +16219,7 @@
           <a:p>
             <a:fld id="{7C926B95-B4B9-4140-9CBF-789425794181}" type="datetimeFigureOut">
               <a:rPr lang="en-US" smtClean="0"/>
-              <a:t>6/22/19</a:t>
+              <a:t>6/23/19</a:t>
             </a:fld>
             <a:endParaRPr lang="en-US"/>
           </a:p>
@@ -16417,7 +16417,7 @@
           <a:p>
             <a:fld id="{7C926B95-B4B9-4140-9CBF-789425794181}" type="datetimeFigureOut">
               <a:rPr lang="en-US" smtClean="0"/>
-              <a:t>6/22/19</a:t>
+              <a:t>6/23/19</a:t>
             </a:fld>
             <a:endParaRPr lang="en-US"/>
           </a:p>
@@ -16692,7 +16692,7 @@
           <a:p>
             <a:fld id="{7C926B95-B4B9-4140-9CBF-789425794181}" type="datetimeFigureOut">
               <a:rPr lang="en-US" smtClean="0"/>
-              <a:t>6/22/19</a:t>
+              <a:t>6/23/19</a:t>
             </a:fld>
             <a:endParaRPr lang="en-US"/>
           </a:p>
@@ -16957,7 +16957,7 @@
           <a:p>
             <a:fld id="{7C926B95-B4B9-4140-9CBF-789425794181}" type="datetimeFigureOut">
               <a:rPr lang="en-US" smtClean="0"/>
-              <a:t>6/22/19</a:t>
+              <a:t>6/23/19</a:t>
             </a:fld>
             <a:endParaRPr lang="en-US"/>
           </a:p>
@@ -17369,7 +17369,7 @@
           <a:p>
             <a:fld id="{7C926B95-B4B9-4140-9CBF-789425794181}" type="datetimeFigureOut">
               <a:rPr lang="en-US" smtClean="0"/>
-              <a:t>6/22/19</a:t>
+              <a:t>6/23/19</a:t>
             </a:fld>
             <a:endParaRPr lang="en-US"/>
           </a:p>
@@ -17510,7 +17510,7 @@
           <a:p>
             <a:fld id="{7C926B95-B4B9-4140-9CBF-789425794181}" type="datetimeFigureOut">
               <a:rPr lang="en-US" smtClean="0"/>
-              <a:t>6/22/19</a:t>
+              <a:t>6/23/19</a:t>
             </a:fld>
             <a:endParaRPr lang="en-US"/>
           </a:p>
@@ -17623,7 +17623,7 @@
           <a:p>
             <a:fld id="{7C926B95-B4B9-4140-9CBF-789425794181}" type="datetimeFigureOut">
               <a:rPr lang="en-US" smtClean="0"/>
-              <a:t>6/22/19</a:t>
+              <a:t>6/23/19</a:t>
             </a:fld>
             <a:endParaRPr lang="en-US"/>
           </a:p>
@@ -17934,7 +17934,7 @@
           <a:p>
             <a:fld id="{7C926B95-B4B9-4140-9CBF-789425794181}" type="datetimeFigureOut">
               <a:rPr lang="en-US" smtClean="0"/>
-              <a:t>6/22/19</a:t>
+              <a:t>6/23/19</a:t>
             </a:fld>
             <a:endParaRPr lang="en-US"/>
           </a:p>
@@ -18222,7 +18222,7 @@
           <a:p>
             <a:fld id="{7C926B95-B4B9-4140-9CBF-789425794181}" type="datetimeFigureOut">
               <a:rPr lang="en-US" smtClean="0"/>
-              <a:t>6/22/19</a:t>
+              <a:t>6/23/19</a:t>
             </a:fld>
             <a:endParaRPr lang="en-US"/>
           </a:p>
@@ -18463,7 +18463,7 @@
           <a:p>
             <a:fld id="{7C926B95-B4B9-4140-9CBF-789425794181}" type="datetimeFigureOut">
               <a:rPr lang="en-US" smtClean="0"/>
-              <a:t>6/22/19</a:t>
+              <a:t>6/23/19</a:t>
             </a:fld>
             <a:endParaRPr lang="en-US"/>
           </a:p>
@@ -19759,7 +19759,7 @@
         <p:spPr>
           <a:xfrm>
             <a:off x="1136469" y="1698171"/>
-            <a:ext cx="10775707" cy="3139321"/>
+            <a:ext cx="10923375" cy="4247317"/>
           </a:xfrm>
           <a:prstGeom prst="rect">
             <a:avLst/>
@@ -19828,13 +19828,39 @@
           </a:p>
           <a:p>
             <a:r>
+              <a:rPr lang="en-US" dirty="0"/>
+              <a:t>-According to our sadistic summary from ABV and IBU , for an average ABV beer at 0.06 the recommended</a:t>
+            </a:r>
+          </a:p>
+          <a:p>
+            <a:r>
+              <a:rPr lang="en-US" dirty="0"/>
+              <a:t>IBU is roughly 40.</a:t>
+            </a:r>
+          </a:p>
+          <a:p>
+            <a:endParaRPr lang="en-US" dirty="0"/>
+          </a:p>
+          <a:p>
+            <a:r>
+              <a:rPr lang="en-US" dirty="0"/>
+              <a:t>-We will recommend to target the states with less breweries regardless of the population, because we did not find </a:t>
+            </a:r>
+          </a:p>
+          <a:p>
+            <a:r>
               <a:rPr lang="en-US"/>
-              <a:t>-According </a:t>
+              <a:t>any strong  </a:t>
             </a:r>
             <a:r>
               <a:rPr lang="en-US" dirty="0"/>
-              <a:t>to our linear model, for an above average ABV beer at 0.06 , the ideal IBU is roughly 35-40.</a:t>
+              <a:t>correlation between the population and the amount </a:t>
             </a:r>
+            <a:r>
+              <a:rPr lang="en-US"/>
+              <a:t>of breweries</a:t>
+            </a:r>
+            <a:endParaRPr lang="en-US" dirty="0"/>
           </a:p>
           <a:p>
             <a:endParaRPr lang="en-US" dirty="0"/>
@@ -19858,165 +19884,6 @@
 </file>
 
 <file path=ppt/slides/slide2.xml><?xml version="1.0" encoding="utf-8"?>
-<p:sld xmlns:a="http://schemas.openxmlformats.org/drawingml/2006/main" xmlns:r="http://schemas.openxmlformats.org/officeDocument/2006/relationships" xmlns:p="http://schemas.openxmlformats.org/presentationml/2006/main">
-  <p:cSld>
-    <p:spTree>
-      <p:nvGrpSpPr>
-        <p:cNvPr id="1" name=""/>
-        <p:cNvGrpSpPr/>
-        <p:nvPr/>
-      </p:nvGrpSpPr>
-      <p:grpSpPr>
-        <a:xfrm>
-          <a:off x="0" y="0"/>
-          <a:ext cx="0" cy="0"/>
-          <a:chOff x="0" y="0"/>
-          <a:chExt cx="0" cy="0"/>
-        </a:xfrm>
-      </p:grpSpPr>
-      <p:sp>
-        <p:nvSpPr>
-          <p:cNvPr id="2" name="Title 1">
-            <a:extLst>
-              <a:ext uri="{FF2B5EF4-FFF2-40B4-BE49-F238E27FC236}">
-                <a16:creationId xmlns:a16="http://schemas.microsoft.com/office/drawing/2014/main" id="{EA578BC1-88EC-4567-B7E8-25EE87349564}"/>
-              </a:ext>
-            </a:extLst>
-          </p:cNvPr>
-          <p:cNvSpPr>
-            <a:spLocks noGrp="1"/>
-          </p:cNvSpPr>
-          <p:nvPr>
-            <p:ph type="title"/>
-          </p:nvPr>
-        </p:nvSpPr>
-        <p:spPr>
-          <a:xfrm>
-            <a:off x="838200" y="365125"/>
-            <a:ext cx="10515600" cy="671823"/>
-          </a:xfrm>
-        </p:spPr>
-        <p:txBody>
-          <a:bodyPr>
-            <a:normAutofit fontScale="90000"/>
-          </a:bodyPr>
-          <a:lstStyle/>
-          <a:p>
-            <a:r>
-              <a:rPr lang="en-US" dirty="0">
-                <a:latin typeface="Segoe UI Light" panose="020B0502040204020203" pitchFamily="34" charset="0"/>
-                <a:cs typeface="Segoe UI Light" panose="020B0502040204020203" pitchFamily="34" charset="0"/>
-              </a:rPr>
-              <a:t>Intro: </a:t>
-            </a:r>
-          </a:p>
-        </p:txBody>
-      </p:sp>
-      <p:sp>
-        <p:nvSpPr>
-          <p:cNvPr id="4" name="TextBox 3">
-            <a:extLst>
-              <a:ext uri="{FF2B5EF4-FFF2-40B4-BE49-F238E27FC236}">
-                <a16:creationId xmlns:a16="http://schemas.microsoft.com/office/drawing/2014/main" id="{CC2E345B-A0BE-3F4A-8F46-216429D23C26}"/>
-              </a:ext>
-            </a:extLst>
-          </p:cNvPr>
-          <p:cNvSpPr txBox="1"/>
-          <p:nvPr/>
-        </p:nvSpPr>
-        <p:spPr>
-          <a:xfrm>
-            <a:off x="535576" y="1306287"/>
-            <a:ext cx="10818223" cy="6524863"/>
-          </a:xfrm>
-          <a:prstGeom prst="rect">
-            <a:avLst/>
-          </a:prstGeom>
-          <a:noFill/>
-        </p:spPr>
-        <p:txBody>
-          <a:bodyPr wrap="square" rtlCol="0">
-            <a:spAutoFit/>
-          </a:bodyPr>
-          <a:lstStyle/>
-          <a:p>
-            <a:pPr fontAlgn="base"/>
-            <a:r>
-              <a:rPr lang="en-US" sz="2800" b="1" dirty="0"/>
-              <a:t>Given the datasets Beer and Brews, we want to know:</a:t>
-            </a:r>
-          </a:p>
-          <a:p>
-            <a:pPr fontAlgn="base"/>
-            <a:endParaRPr lang="en-US" sz="2800" b="1" dirty="0"/>
-          </a:p>
-          <a:p>
-            <a:pPr fontAlgn="base"/>
-            <a:r>
-              <a:rPr lang="en-US" sz="2800" b="1" dirty="0"/>
-              <a:t>	</a:t>
-            </a:r>
-            <a:r>
-              <a:rPr lang="en-US" sz="3200" b="1" dirty="0"/>
-              <a:t>-Where our headquarters should be?</a:t>
-            </a:r>
-          </a:p>
-          <a:p>
-            <a:pPr fontAlgn="base"/>
-            <a:endParaRPr lang="en-US" sz="3200" b="1" dirty="0"/>
-          </a:p>
-          <a:p>
-            <a:pPr fontAlgn="base"/>
-            <a:r>
-              <a:rPr lang="en-US" sz="3200" b="1" dirty="0"/>
-              <a:t>	-What style and name of beer would appeal to the widest audience?</a:t>
-            </a:r>
-          </a:p>
-          <a:p>
-            <a:pPr fontAlgn="base"/>
-            <a:endParaRPr lang="en-US" sz="3200" b="1" dirty="0"/>
-          </a:p>
-          <a:p>
-            <a:pPr fontAlgn="base"/>
-            <a:r>
-              <a:rPr lang="en-US" sz="3200" b="1" dirty="0"/>
-              <a:t>	-What ABV and IBU should be used for the production of beers?</a:t>
-            </a:r>
-          </a:p>
-          <a:p>
-            <a:pPr fontAlgn="base"/>
-            <a:endParaRPr lang="en-US" sz="2800" b="1" dirty="0"/>
-          </a:p>
-          <a:p>
-            <a:pPr fontAlgn="base"/>
-            <a:endParaRPr lang="en-US" b="1" dirty="0"/>
-          </a:p>
-          <a:p>
-            <a:pPr fontAlgn="base"/>
-            <a:endParaRPr lang="en-US" sz="2800" b="1" dirty="0"/>
-          </a:p>
-          <a:p>
-            <a:br>
-              <a:rPr lang="en-US" sz="3200" dirty="0"/>
-            </a:br>
-            <a:endParaRPr lang="en-US" sz="3200" dirty="0"/>
-          </a:p>
-        </p:txBody>
-      </p:sp>
-    </p:spTree>
-    <p:extLst>
-      <p:ext uri="{BB962C8B-B14F-4D97-AF65-F5344CB8AC3E}">
-        <p14:creationId xmlns:p14="http://schemas.microsoft.com/office/powerpoint/2010/main" val="112656648"/>
-      </p:ext>
-    </p:extLst>
-  </p:cSld>
-  <p:clrMapOvr>
-    <a:masterClrMapping/>
-  </p:clrMapOvr>
-</p:sld>
-</file>
-
-<file path=ppt/slides/slide3.xml><?xml version="1.0" encoding="utf-8"?>
 <p:sld xmlns:a="http://schemas.openxmlformats.org/drawingml/2006/main" xmlns:r="http://schemas.openxmlformats.org/officeDocument/2006/relationships" xmlns:p="http://schemas.openxmlformats.org/presentationml/2006/main">
   <p:cSld>
     <p:spTree>
@@ -20247,6 +20114,165 @@
     <p:extLst>
       <p:ext uri="{BB962C8B-B14F-4D97-AF65-F5344CB8AC3E}">
         <p14:creationId xmlns:p14="http://schemas.microsoft.com/office/powerpoint/2010/main" val="429984281"/>
+      </p:ext>
+    </p:extLst>
+  </p:cSld>
+  <p:clrMapOvr>
+    <a:masterClrMapping/>
+  </p:clrMapOvr>
+</p:sld>
+</file>
+
+<file path=ppt/slides/slide3.xml><?xml version="1.0" encoding="utf-8"?>
+<p:sld xmlns:a="http://schemas.openxmlformats.org/drawingml/2006/main" xmlns:r="http://schemas.openxmlformats.org/officeDocument/2006/relationships" xmlns:p="http://schemas.openxmlformats.org/presentationml/2006/main">
+  <p:cSld>
+    <p:spTree>
+      <p:nvGrpSpPr>
+        <p:cNvPr id="1" name=""/>
+        <p:cNvGrpSpPr/>
+        <p:nvPr/>
+      </p:nvGrpSpPr>
+      <p:grpSpPr>
+        <a:xfrm>
+          <a:off x="0" y="0"/>
+          <a:ext cx="0" cy="0"/>
+          <a:chOff x="0" y="0"/>
+          <a:chExt cx="0" cy="0"/>
+        </a:xfrm>
+      </p:grpSpPr>
+      <p:sp>
+        <p:nvSpPr>
+          <p:cNvPr id="2" name="Title 1">
+            <a:extLst>
+              <a:ext uri="{FF2B5EF4-FFF2-40B4-BE49-F238E27FC236}">
+                <a16:creationId xmlns:a16="http://schemas.microsoft.com/office/drawing/2014/main" id="{EA578BC1-88EC-4567-B7E8-25EE87349564}"/>
+              </a:ext>
+            </a:extLst>
+          </p:cNvPr>
+          <p:cNvSpPr>
+            <a:spLocks noGrp="1"/>
+          </p:cNvSpPr>
+          <p:nvPr>
+            <p:ph type="title"/>
+          </p:nvPr>
+        </p:nvSpPr>
+        <p:spPr>
+          <a:xfrm>
+            <a:off x="838200" y="365125"/>
+            <a:ext cx="10515600" cy="671823"/>
+          </a:xfrm>
+        </p:spPr>
+        <p:txBody>
+          <a:bodyPr>
+            <a:normAutofit fontScale="90000"/>
+          </a:bodyPr>
+          <a:lstStyle/>
+          <a:p>
+            <a:r>
+              <a:rPr lang="en-US" dirty="0">
+                <a:latin typeface="Segoe UI Light" panose="020B0502040204020203" pitchFamily="34" charset="0"/>
+                <a:cs typeface="Segoe UI Light" panose="020B0502040204020203" pitchFamily="34" charset="0"/>
+              </a:rPr>
+              <a:t>Intro: </a:t>
+            </a:r>
+          </a:p>
+        </p:txBody>
+      </p:sp>
+      <p:sp>
+        <p:nvSpPr>
+          <p:cNvPr id="4" name="TextBox 3">
+            <a:extLst>
+              <a:ext uri="{FF2B5EF4-FFF2-40B4-BE49-F238E27FC236}">
+                <a16:creationId xmlns:a16="http://schemas.microsoft.com/office/drawing/2014/main" id="{CC2E345B-A0BE-3F4A-8F46-216429D23C26}"/>
+              </a:ext>
+            </a:extLst>
+          </p:cNvPr>
+          <p:cNvSpPr txBox="1"/>
+          <p:nvPr/>
+        </p:nvSpPr>
+        <p:spPr>
+          <a:xfrm>
+            <a:off x="535576" y="1306287"/>
+            <a:ext cx="10818223" cy="6524863"/>
+          </a:xfrm>
+          <a:prstGeom prst="rect">
+            <a:avLst/>
+          </a:prstGeom>
+          <a:noFill/>
+        </p:spPr>
+        <p:txBody>
+          <a:bodyPr wrap="square" rtlCol="0">
+            <a:spAutoFit/>
+          </a:bodyPr>
+          <a:lstStyle/>
+          <a:p>
+            <a:pPr fontAlgn="base"/>
+            <a:r>
+              <a:rPr lang="en-US" sz="2800" b="1" dirty="0"/>
+              <a:t>Given the datasets Beer and Brews, we want to know:</a:t>
+            </a:r>
+          </a:p>
+          <a:p>
+            <a:pPr fontAlgn="base"/>
+            <a:endParaRPr lang="en-US" sz="2800" b="1" dirty="0"/>
+          </a:p>
+          <a:p>
+            <a:pPr fontAlgn="base"/>
+            <a:r>
+              <a:rPr lang="en-US" sz="2800" b="1" dirty="0"/>
+              <a:t>	</a:t>
+            </a:r>
+            <a:r>
+              <a:rPr lang="en-US" sz="3200" b="1" dirty="0"/>
+              <a:t>-Where our headquarters should be?</a:t>
+            </a:r>
+          </a:p>
+          <a:p>
+            <a:pPr fontAlgn="base"/>
+            <a:endParaRPr lang="en-US" sz="3200" b="1" dirty="0"/>
+          </a:p>
+          <a:p>
+            <a:pPr fontAlgn="base"/>
+            <a:r>
+              <a:rPr lang="en-US" sz="3200" b="1" dirty="0"/>
+              <a:t>	-What style and name of beer would appeal to the widest audience?</a:t>
+            </a:r>
+          </a:p>
+          <a:p>
+            <a:pPr fontAlgn="base"/>
+            <a:endParaRPr lang="en-US" sz="3200" b="1" dirty="0"/>
+          </a:p>
+          <a:p>
+            <a:pPr fontAlgn="base"/>
+            <a:r>
+              <a:rPr lang="en-US" sz="3200" b="1" dirty="0"/>
+              <a:t>	-What ABV and IBU should be used for the production of beers?</a:t>
+            </a:r>
+          </a:p>
+          <a:p>
+            <a:pPr fontAlgn="base"/>
+            <a:endParaRPr lang="en-US" sz="2800" b="1" dirty="0"/>
+          </a:p>
+          <a:p>
+            <a:pPr fontAlgn="base"/>
+            <a:endParaRPr lang="en-US" b="1" dirty="0"/>
+          </a:p>
+          <a:p>
+            <a:pPr fontAlgn="base"/>
+            <a:endParaRPr lang="en-US" sz="2800" b="1" dirty="0"/>
+          </a:p>
+          <a:p>
+            <a:br>
+              <a:rPr lang="en-US" sz="3200" dirty="0"/>
+            </a:br>
+            <a:endParaRPr lang="en-US" sz="3200" dirty="0"/>
+          </a:p>
+        </p:txBody>
+      </p:sp>
+    </p:spTree>
+    <p:extLst>
+      <p:ext uri="{BB962C8B-B14F-4D97-AF65-F5344CB8AC3E}">
+        <p14:creationId xmlns:p14="http://schemas.microsoft.com/office/powerpoint/2010/main" val="112656648"/>
       </p:ext>
     </p:extLst>
   </p:cSld>
